--- a/Slide/slide week-6.pptx
+++ b/Slide/slide week-6.pptx
@@ -293,6 +293,11 @@
       </a:defRPr>
     </a:lvl9pPr>
   </p:defaultTextStyle>
+  <p:extLst>
+    <p:ext uri="{EFAFB233-063F-42B5-8137-9DF3F51BA10A}">
+      <p15:sldGuideLst xmlns:p15="http://schemas.microsoft.com/office/powerpoint/2012/main"/>
+    </p:ext>
+  </p:extLst>
 </p:presentation>
 </file>
 
@@ -37932,6 +37937,14 @@
             </a:r>
             <a:r>
               <a:rPr lang="en-ID" sz="2400" dirty="0" err="1"/>
+              <a:t>satu</a:t>
+            </a:r>
+            <a:r>
+              <a:rPr lang="en-ID" sz="2400" dirty="0"/>
+              <a:t> </a:t>
+            </a:r>
+            <a:r>
+              <a:rPr lang="en-ID" sz="2400" dirty="0" err="1"/>
               <a:t>jenis</a:t>
             </a:r>
             <a:r>
@@ -37952,7 +37965,15 @@
             </a:r>
             <a:r>
               <a:rPr lang="en-ID" sz="2400" dirty="0"/>
-              <a:t>  database  </a:t>
+              <a:t>  database </a:t>
+            </a:r>
+            <a:r>
+              <a:rPr lang="en-ID" sz="2400" dirty="0" err="1"/>
+              <a:t>berbasis</a:t>
+            </a:r>
+            <a:r>
+              <a:rPr lang="en-ID" sz="2400" dirty="0"/>
+              <a:t> </a:t>
             </a:r>
             <a:r>
               <a:rPr lang="en-ID" sz="2400" dirty="0">

--- a/Slide/slide week-6.pptx
+++ b/Slide/slide week-6.pptx
@@ -26850,7 +26850,7 @@
         </p:nvSpPr>
         <p:spPr>
           <a:xfrm>
-            <a:off x="194631" y="588672"/>
+            <a:off x="81747" y="-148646"/>
             <a:ext cx="4748326" cy="2323824"/>
           </a:xfrm>
           <a:prstGeom prst="rect">
@@ -26873,81 +26873,14 @@
               <a:buNone/>
             </a:pPr>
             <a:r>
-              <a:rPr lang="en-US" dirty="0" err="1"/>
-              <a:t>FullStack</a:t>
+              <a:rPr lang="en-US" dirty="0"/>
+              <a:t>Backend </a:t>
             </a:r>
             <a:r>
-              <a:rPr lang="en-US" dirty="0"/>
-              <a:t> Web Developer </a:t>
+              <a:rPr lang="en-US" dirty="0" err="1"/>
+              <a:t>Depelovment</a:t>
             </a:r>
             <a:endParaRPr dirty="0"/>
-          </a:p>
-        </p:txBody>
-      </p:sp>
-      <p:sp>
-        <p:nvSpPr>
-          <p:cNvPr id="582" name="Google Shape;582;p39"/>
-          <p:cNvSpPr txBox="1">
-            <a:spLocks noGrp="1"/>
-          </p:cNvSpPr>
-          <p:nvPr>
-            <p:ph type="subTitle" idx="1"/>
-          </p:nvPr>
-        </p:nvSpPr>
-        <p:spPr>
-          <a:xfrm>
-            <a:off x="3306726" y="1159676"/>
-            <a:ext cx="1532691" cy="326798"/>
-          </a:xfrm>
-          <a:prstGeom prst="rect">
-            <a:avLst/>
-          </a:prstGeom>
-          <a:solidFill>
-            <a:srgbClr val="00B050"/>
-          </a:solidFill>
-        </p:spPr>
-        <p:style>
-          <a:lnRef idx="1">
-            <a:schemeClr val="accent1"/>
-          </a:lnRef>
-          <a:fillRef idx="3">
-            <a:schemeClr val="accent1"/>
-          </a:fillRef>
-          <a:effectRef idx="2">
-            <a:schemeClr val="accent1"/>
-          </a:effectRef>
-          <a:fontRef idx="minor">
-            <a:schemeClr val="lt1"/>
-          </a:fontRef>
-        </p:style>
-        <p:txBody>
-          <a:bodyPr spcFirstLastPara="1" wrap="square" lIns="91425" tIns="91425" rIns="91425" bIns="91425" anchor="t" anchorCtr="0">
-            <a:noAutofit/>
-          </a:bodyPr>
-          <a:lstStyle/>
-          <a:p>
-            <a:pPr marL="0" lvl="0" indent="0" algn="ctr" rtl="0">
-              <a:spcBef>
-                <a:spcPts val="0"/>
-              </a:spcBef>
-              <a:spcAft>
-                <a:spcPts val="0"/>
-              </a:spcAft>
-              <a:buNone/>
-            </a:pPr>
-            <a:r>
-              <a:rPr lang="en-US" b="1" dirty="0">
-                <a:solidFill>
-                  <a:schemeClr val="tx1"/>
-                </a:solidFill>
-              </a:rPr>
-              <a:t>Batch to 15th</a:t>
-            </a:r>
-            <a:endParaRPr b="1" dirty="0">
-              <a:solidFill>
-                <a:schemeClr val="tx1"/>
-              </a:solidFill>
-            </a:endParaRPr>
           </a:p>
         </p:txBody>
       </p:sp>
@@ -30779,7 +30712,7 @@
         </p:nvSpPr>
         <p:spPr>
           <a:xfrm>
-            <a:off x="1170069" y="2946545"/>
+            <a:off x="1216201" y="2520283"/>
             <a:ext cx="2297912" cy="646331"/>
           </a:xfrm>
           <a:prstGeom prst="rect">
@@ -30858,6 +30791,287 @@
                 <a:srgbClr val="FF0000"/>
               </a:highlight>
               <a:latin typeface="Bahnschrift Light" panose="020B0502040204020203" pitchFamily="34" charset="0"/>
+            </a:endParaRPr>
+          </a:p>
+        </p:txBody>
+      </p:sp>
+      <p:sp>
+        <p:nvSpPr>
+          <p:cNvPr id="48" name="Subtitle 2">
+            <a:extLst>
+              <a:ext uri="{FF2B5EF4-FFF2-40B4-BE49-F238E27FC236}">
+                <a16:creationId xmlns:a16="http://schemas.microsoft.com/office/drawing/2014/main" id="{551445CC-7417-49A1-AC0F-0D7E9CBC2697}"/>
+              </a:ext>
+            </a:extLst>
+          </p:cNvPr>
+          <p:cNvSpPr txBox="1">
+            <a:spLocks/>
+          </p:cNvSpPr>
+          <p:nvPr/>
+        </p:nvSpPr>
+        <p:spPr>
+          <a:xfrm>
+            <a:off x="436965" y="3204400"/>
+            <a:ext cx="3856383" cy="543340"/>
+          </a:xfrm>
+          <a:prstGeom prst="rect">
+            <a:avLst/>
+          </a:prstGeom>
+        </p:spPr>
+        <p:txBody>
+          <a:bodyPr>
+            <a:normAutofit fontScale="85000" lnSpcReduction="10000"/>
+          </a:bodyPr>
+          <a:lstStyle>
+            <a:defPPr marR="0" lvl="0" algn="l" rtl="0">
+              <a:lnSpc>
+                <a:spcPct val="100000"/>
+              </a:lnSpc>
+              <a:spcBef>
+                <a:spcPts val="0"/>
+              </a:spcBef>
+              <a:spcAft>
+                <a:spcPts val="0"/>
+              </a:spcAft>
+            </a:defPPr>
+            <a:lvl1pPr marR="0" lvl="0" algn="l" rtl="0">
+              <a:lnSpc>
+                <a:spcPct val="100000"/>
+              </a:lnSpc>
+              <a:spcBef>
+                <a:spcPts val="0"/>
+              </a:spcBef>
+              <a:spcAft>
+                <a:spcPts val="0"/>
+              </a:spcAft>
+              <a:buClr>
+                <a:srgbClr val="000000"/>
+              </a:buClr>
+              <a:buFont typeface="Arial"/>
+              <a:defRPr sz="1400" b="0" i="0" u="none" strike="noStrike" cap="none">
+                <a:solidFill>
+                  <a:srgbClr val="000000"/>
+                </a:solidFill>
+                <a:latin typeface="Arial"/>
+                <a:ea typeface="Arial"/>
+                <a:cs typeface="Arial"/>
+                <a:sym typeface="Arial"/>
+              </a:defRPr>
+            </a:lvl1pPr>
+            <a:lvl2pPr marR="0" lvl="1" algn="l" rtl="0">
+              <a:lnSpc>
+                <a:spcPct val="100000"/>
+              </a:lnSpc>
+              <a:spcBef>
+                <a:spcPts val="0"/>
+              </a:spcBef>
+              <a:spcAft>
+                <a:spcPts val="0"/>
+              </a:spcAft>
+              <a:buClr>
+                <a:srgbClr val="000000"/>
+              </a:buClr>
+              <a:buFont typeface="Arial"/>
+              <a:defRPr sz="1400" b="0" i="0" u="none" strike="noStrike" cap="none">
+                <a:solidFill>
+                  <a:srgbClr val="000000"/>
+                </a:solidFill>
+                <a:latin typeface="Arial"/>
+                <a:ea typeface="Arial"/>
+                <a:cs typeface="Arial"/>
+                <a:sym typeface="Arial"/>
+              </a:defRPr>
+            </a:lvl2pPr>
+            <a:lvl3pPr marR="0" lvl="2" algn="l" rtl="0">
+              <a:lnSpc>
+                <a:spcPct val="100000"/>
+              </a:lnSpc>
+              <a:spcBef>
+                <a:spcPts val="0"/>
+              </a:spcBef>
+              <a:spcAft>
+                <a:spcPts val="0"/>
+              </a:spcAft>
+              <a:buClr>
+                <a:srgbClr val="000000"/>
+              </a:buClr>
+              <a:buFont typeface="Arial"/>
+              <a:defRPr sz="1400" b="0" i="0" u="none" strike="noStrike" cap="none">
+                <a:solidFill>
+                  <a:srgbClr val="000000"/>
+                </a:solidFill>
+                <a:latin typeface="Arial"/>
+                <a:ea typeface="Arial"/>
+                <a:cs typeface="Arial"/>
+                <a:sym typeface="Arial"/>
+              </a:defRPr>
+            </a:lvl3pPr>
+            <a:lvl4pPr marR="0" lvl="3" algn="l" rtl="0">
+              <a:lnSpc>
+                <a:spcPct val="100000"/>
+              </a:lnSpc>
+              <a:spcBef>
+                <a:spcPts val="0"/>
+              </a:spcBef>
+              <a:spcAft>
+                <a:spcPts val="0"/>
+              </a:spcAft>
+              <a:buClr>
+                <a:srgbClr val="000000"/>
+              </a:buClr>
+              <a:buFont typeface="Arial"/>
+              <a:defRPr sz="1400" b="0" i="0" u="none" strike="noStrike" cap="none">
+                <a:solidFill>
+                  <a:srgbClr val="000000"/>
+                </a:solidFill>
+                <a:latin typeface="Arial"/>
+                <a:ea typeface="Arial"/>
+                <a:cs typeface="Arial"/>
+                <a:sym typeface="Arial"/>
+              </a:defRPr>
+            </a:lvl4pPr>
+            <a:lvl5pPr marR="0" lvl="4" algn="l" rtl="0">
+              <a:lnSpc>
+                <a:spcPct val="100000"/>
+              </a:lnSpc>
+              <a:spcBef>
+                <a:spcPts val="0"/>
+              </a:spcBef>
+              <a:spcAft>
+                <a:spcPts val="0"/>
+              </a:spcAft>
+              <a:buClr>
+                <a:srgbClr val="000000"/>
+              </a:buClr>
+              <a:buFont typeface="Arial"/>
+              <a:defRPr sz="1400" b="0" i="0" u="none" strike="noStrike" cap="none">
+                <a:solidFill>
+                  <a:srgbClr val="000000"/>
+                </a:solidFill>
+                <a:latin typeface="Arial"/>
+                <a:ea typeface="Arial"/>
+                <a:cs typeface="Arial"/>
+                <a:sym typeface="Arial"/>
+              </a:defRPr>
+            </a:lvl5pPr>
+            <a:lvl6pPr marR="0" lvl="5" algn="l" rtl="0">
+              <a:lnSpc>
+                <a:spcPct val="100000"/>
+              </a:lnSpc>
+              <a:spcBef>
+                <a:spcPts val="0"/>
+              </a:spcBef>
+              <a:spcAft>
+                <a:spcPts val="0"/>
+              </a:spcAft>
+              <a:buClr>
+                <a:srgbClr val="000000"/>
+              </a:buClr>
+              <a:buFont typeface="Arial"/>
+              <a:defRPr sz="1400" b="0" i="0" u="none" strike="noStrike" cap="none">
+                <a:solidFill>
+                  <a:srgbClr val="000000"/>
+                </a:solidFill>
+                <a:latin typeface="Arial"/>
+                <a:ea typeface="Arial"/>
+                <a:cs typeface="Arial"/>
+                <a:sym typeface="Arial"/>
+              </a:defRPr>
+            </a:lvl6pPr>
+            <a:lvl7pPr marR="0" lvl="6" algn="l" rtl="0">
+              <a:lnSpc>
+                <a:spcPct val="100000"/>
+              </a:lnSpc>
+              <a:spcBef>
+                <a:spcPts val="0"/>
+              </a:spcBef>
+              <a:spcAft>
+                <a:spcPts val="0"/>
+              </a:spcAft>
+              <a:buClr>
+                <a:srgbClr val="000000"/>
+              </a:buClr>
+              <a:buFont typeface="Arial"/>
+              <a:defRPr sz="1400" b="0" i="0" u="none" strike="noStrike" cap="none">
+                <a:solidFill>
+                  <a:srgbClr val="000000"/>
+                </a:solidFill>
+                <a:latin typeface="Arial"/>
+                <a:ea typeface="Arial"/>
+                <a:cs typeface="Arial"/>
+                <a:sym typeface="Arial"/>
+              </a:defRPr>
+            </a:lvl7pPr>
+            <a:lvl8pPr marR="0" lvl="7" algn="l" rtl="0">
+              <a:lnSpc>
+                <a:spcPct val="100000"/>
+              </a:lnSpc>
+              <a:spcBef>
+                <a:spcPts val="0"/>
+              </a:spcBef>
+              <a:spcAft>
+                <a:spcPts val="0"/>
+              </a:spcAft>
+              <a:buClr>
+                <a:srgbClr val="000000"/>
+              </a:buClr>
+              <a:buFont typeface="Arial"/>
+              <a:defRPr sz="1400" b="0" i="0" u="none" strike="noStrike" cap="none">
+                <a:solidFill>
+                  <a:srgbClr val="000000"/>
+                </a:solidFill>
+                <a:latin typeface="Arial"/>
+                <a:ea typeface="Arial"/>
+                <a:cs typeface="Arial"/>
+                <a:sym typeface="Arial"/>
+              </a:defRPr>
+            </a:lvl8pPr>
+            <a:lvl9pPr marR="0" lvl="8" algn="l" rtl="0">
+              <a:lnSpc>
+                <a:spcPct val="100000"/>
+              </a:lnSpc>
+              <a:spcBef>
+                <a:spcPts val="0"/>
+              </a:spcBef>
+              <a:spcAft>
+                <a:spcPts val="0"/>
+              </a:spcAft>
+              <a:buClr>
+                <a:srgbClr val="000000"/>
+              </a:buClr>
+              <a:buFont typeface="Arial"/>
+              <a:defRPr sz="1400" b="0" i="0" u="none" strike="noStrike" cap="none">
+                <a:solidFill>
+                  <a:srgbClr val="000000"/>
+                </a:solidFill>
+                <a:latin typeface="Arial"/>
+                <a:ea typeface="Arial"/>
+                <a:cs typeface="Arial"/>
+                <a:sym typeface="Arial"/>
+              </a:defRPr>
+            </a:lvl9pPr>
+          </a:lstStyle>
+          <a:p>
+            <a:r>
+              <a:rPr lang="en-US" sz="3600" b="1" spc="50" dirty="0">
+                <a:ln w="0"/>
+                <a:solidFill>
+                  <a:srgbClr val="00B050"/>
+                </a:solidFill>
+                <a:effectLst>
+                  <a:innerShdw blurRad="63500" dist="50800" dir="13500000">
+                    <a:srgbClr val="000000">
+                      <a:alpha val="50000"/>
+                    </a:srgbClr>
+                  </a:innerShdw>
+                </a:effectLst>
+              </a:rPr>
+              <a:t>Full-Stack WEB-15</a:t>
+            </a:r>
+            <a:endParaRPr lang="en-ID" sz="3600" dirty="0">
+              <a:solidFill>
+                <a:srgbClr val="00B050"/>
+              </a:solidFill>
             </a:endParaRPr>
           </a:p>
         </p:txBody>
